--- a/Groupmeetings/Big_Talks/Graph_Theory_CLustering.pptx
+++ b/Groupmeetings/Big_Talks/Graph_Theory_CLustering.pptx
@@ -199,7 +199,7 @@
           <a:p>
             <a:fld id="{522EFD5F-65E9-CA42-9660-CB6511EE84CE}" type="datetimeFigureOut">
               <a:rPr lang="en-AT" smtClean="0"/>
-              <a:t>11/14/24</a:t>
+              <a:t>1/19/25</a:t>
             </a:fld>
             <a:endParaRPr lang="en-AT"/>
           </a:p>
@@ -851,7 +851,7 @@
           <a:p>
             <a:fld id="{11F0FE62-D1C8-834F-882F-060B90793A94}" type="datetimeFigureOut">
               <a:rPr lang="de-DE" smtClean="0"/>
-              <a:t>14.11.24</a:t>
+              <a:t>19.01.25</a:t>
             </a:fld>
             <a:endParaRPr lang="de-DE"/>
           </a:p>
@@ -1129,7 +1129,7 @@
           <a:p>
             <a:fld id="{11F0FE62-D1C8-834F-882F-060B90793A94}" type="datetimeFigureOut">
               <a:rPr lang="de-DE" smtClean="0"/>
-              <a:t>14.11.24</a:t>
+              <a:t>19.01.25</a:t>
             </a:fld>
             <a:endParaRPr lang="de-DE"/>
           </a:p>
@@ -1402,7 +1402,7 @@
           <a:p>
             <a:fld id="{11F0FE62-D1C8-834F-882F-060B90793A94}" type="datetimeFigureOut">
               <a:rPr lang="de-DE" smtClean="0"/>
-              <a:t>14.11.24</a:t>
+              <a:t>19.01.25</a:t>
             </a:fld>
             <a:endParaRPr lang="de-DE"/>
           </a:p>
@@ -1817,7 +1817,7 @@
           <a:p>
             <a:fld id="{11F0FE62-D1C8-834F-882F-060B90793A94}" type="datetimeFigureOut">
               <a:rPr lang="de-DE" smtClean="0"/>
-              <a:t>14.11.24</a:t>
+              <a:t>19.01.25</a:t>
             </a:fld>
             <a:endParaRPr lang="de-DE"/>
           </a:p>
@@ -1966,7 +1966,7 @@
           <a:p>
             <a:fld id="{11F0FE62-D1C8-834F-882F-060B90793A94}" type="datetimeFigureOut">
               <a:rPr lang="de-DE" smtClean="0"/>
-              <a:t>14.11.24</a:t>
+              <a:t>19.01.25</a:t>
             </a:fld>
             <a:endParaRPr lang="de-DE"/>
           </a:p>
@@ -2079,7 +2079,7 @@
           <a:p>
             <a:fld id="{11F0FE62-D1C8-834F-882F-060B90793A94}" type="datetimeFigureOut">
               <a:rPr lang="de-DE" smtClean="0"/>
-              <a:t>14.11.24</a:t>
+              <a:t>19.01.25</a:t>
             </a:fld>
             <a:endParaRPr lang="de-DE"/>
           </a:p>
@@ -2393,7 +2393,7 @@
           <a:p>
             <a:fld id="{11F0FE62-D1C8-834F-882F-060B90793A94}" type="datetimeFigureOut">
               <a:rPr lang="de-DE" smtClean="0"/>
-              <a:t>14.11.24</a:t>
+              <a:t>19.01.25</a:t>
             </a:fld>
             <a:endParaRPr lang="de-DE"/>
           </a:p>
@@ -2684,7 +2684,7 @@
           <a:p>
             <a:fld id="{11F0FE62-D1C8-834F-882F-060B90793A94}" type="datetimeFigureOut">
               <a:rPr lang="de-DE" smtClean="0"/>
-              <a:t>14.11.24</a:t>
+              <a:t>19.01.25</a:t>
             </a:fld>
             <a:endParaRPr lang="de-DE"/>
           </a:p>
@@ -2890,7 +2890,7 @@
           <a:p>
             <a:fld id="{11F0FE62-D1C8-834F-882F-060B90793A94}" type="datetimeFigureOut">
               <a:rPr lang="de-DE" smtClean="0"/>
-              <a:t>14.11.24</a:t>
+              <a:t>19.01.25</a:t>
             </a:fld>
             <a:endParaRPr lang="de-DE"/>
           </a:p>
@@ -3101,7 +3101,7 @@
           <a:p>
             <a:fld id="{11F0FE62-D1C8-834F-882F-060B90793A94}" type="datetimeFigureOut">
               <a:rPr lang="de-DE" smtClean="0"/>
-              <a:t>14.11.24</a:t>
+              <a:t>19.01.25</a:t>
             </a:fld>
             <a:endParaRPr lang="de-DE"/>
           </a:p>
@@ -4688,7 +4688,7 @@
           <a:p>
             <a:fld id="{11F0FE62-D1C8-834F-882F-060B90793A94}" type="datetimeFigureOut">
               <a:rPr lang="de-DE" smtClean="0"/>
-              <a:t>14.11.24</a:t>
+              <a:t>19.01.25</a:t>
             </a:fld>
             <a:endParaRPr lang="de-DE"/>
           </a:p>
@@ -5556,7 +5556,7 @@
           <a:p>
             <a:fld id="{11F0FE62-D1C8-834F-882F-060B90793A94}" type="datetimeFigureOut">
               <a:rPr lang="de-DE" smtClean="0"/>
-              <a:t>14.11.24</a:t>
+              <a:t>19.01.25</a:t>
             </a:fld>
             <a:endParaRPr lang="de-DE"/>
           </a:p>
@@ -6109,18 +6109,18 @@
       </p:pic>
       <p:sp>
         <p:nvSpPr>
-          <p:cNvPr id="3" name="Foliennummernplatzhalter 2">
-            <a:extLst>
-              <a:ext uri="{FF2B5EF4-FFF2-40B4-BE49-F238E27FC236}">
-                <a16:creationId xmlns:a16="http://schemas.microsoft.com/office/drawing/2014/main" id="{B366C09D-6C88-A517-8F53-F8E8F5BCBBDA}"/>
-              </a:ext>
-            </a:extLst>
-          </p:cNvPr>
-          <p:cNvSpPr>
-            <a:spLocks noGrp="1"/>
-          </p:cNvSpPr>
-          <p:nvPr>
-            <p:ph type="sldNum" sz="quarter" idx="12"/>
+          <p:cNvPr id="4" name="Titel 3">
+            <a:extLst>
+              <a:ext uri="{FF2B5EF4-FFF2-40B4-BE49-F238E27FC236}">
+                <a16:creationId xmlns:a16="http://schemas.microsoft.com/office/drawing/2014/main" id="{0AA9B9AD-F1CD-A188-6271-CA5D337DAEFC}"/>
+              </a:ext>
+            </a:extLst>
+          </p:cNvPr>
+          <p:cNvSpPr>
+            <a:spLocks noGrp="1"/>
+          </p:cNvSpPr>
+          <p:nvPr>
+            <p:ph type="title"/>
           </p:nvPr>
         </p:nvSpPr>
         <p:spPr/>
@@ -6128,35 +6128,6 @@
           <a:bodyPr/>
           <a:lstStyle/>
           <a:p>
-            <a:fld id="{49C656FD-8168-4A70-85FD-CB3FFEA2E3E7}" type="slidenum">
-              <a:rPr lang="de-AT" smtClean="0"/>
-              <a:t>1</a:t>
-            </a:fld>
-            <a:endParaRPr lang="de-AT" dirty="0"/>
-          </a:p>
-        </p:txBody>
-      </p:sp>
-      <p:sp>
-        <p:nvSpPr>
-          <p:cNvPr id="4" name="Titel 3">
-            <a:extLst>
-              <a:ext uri="{FF2B5EF4-FFF2-40B4-BE49-F238E27FC236}">
-                <a16:creationId xmlns:a16="http://schemas.microsoft.com/office/drawing/2014/main" id="{0AA9B9AD-F1CD-A188-6271-CA5D337DAEFC}"/>
-              </a:ext>
-            </a:extLst>
-          </p:cNvPr>
-          <p:cNvSpPr>
-            <a:spLocks noGrp="1"/>
-          </p:cNvSpPr>
-          <p:nvPr>
-            <p:ph type="title"/>
-          </p:nvPr>
-        </p:nvSpPr>
-        <p:spPr/>
-        <p:txBody>
-          <a:bodyPr/>
-          <a:lstStyle/>
-          <a:p>
             <a:r>
               <a:rPr lang="de-DE" dirty="0"/>
               <a:t>Problem: </a:t>
@@ -6169,8 +6140,8 @@
           </a:p>
         </p:txBody>
       </p:sp>
-      <mc:AlternateContent xmlns:mc="http://schemas.openxmlformats.org/markup-compatibility/2006">
-        <mc:Choice xmlns:a14="http://schemas.microsoft.com/office/drawing/2010/main" Requires="a14">
+      <mc:AlternateContent xmlns:mc="http://schemas.openxmlformats.org/markup-compatibility/2006" xmlns:a14="http://schemas.microsoft.com/office/drawing/2010/main">
+        <mc:Choice Requires="a14">
           <p:sp>
             <p:nvSpPr>
               <p:cNvPr id="7" name="Textfeld 6">
@@ -6324,7 +6295,7 @@
             </p:txBody>
           </p:sp>
         </mc:Choice>
-        <mc:Fallback>
+        <mc:Fallback xmlns="">
           <p:sp>
             <p:nvSpPr>
               <p:cNvPr id="7" name="Textfeld 6">
